--- a/XMT School.pptx
+++ b/XMT School.pptx
@@ -375,7 +375,7 @@
           <a:p>
             <a:fld id="{9184DA70-C731-4C70-880D-CCD4705E623C}" type="datetime1">
               <a:rPr lang="en-US" smtClean="0"/>
-              <a:t>2/7/2024</a:t>
+              <a:t>2/27/2024</a:t>
             </a:fld>
             <a:endParaRPr lang="en-US" dirty="0"/>
           </a:p>
@@ -563,7 +563,7 @@
           <a:p>
             <a:fld id="{4BE1D723-8F53-4F53-90B0-1982A396982E}" type="datetime1">
               <a:rPr lang="en-US" smtClean="0"/>
-              <a:t>2/7/2024</a:t>
+              <a:t>2/27/2024</a:t>
             </a:fld>
             <a:endParaRPr lang="en-US" dirty="0"/>
           </a:p>
@@ -936,7 +936,7 @@
           <a:p>
             <a:fld id="{97669AF7-7BEB-44E4-9852-375E34362B5B}" type="datetime1">
               <a:rPr lang="en-US" smtClean="0"/>
-              <a:t>2/7/2024</a:t>
+              <a:t>2/27/2024</a:t>
             </a:fld>
             <a:endParaRPr lang="en-US" dirty="0"/>
           </a:p>
@@ -1191,7 +1191,7 @@
           <a:p>
             <a:fld id="{BAAAC38D-0552-4C82-B593-E6124DFADBE2}" type="datetime1">
               <a:rPr lang="en-US" smtClean="0"/>
-              <a:t>2/7/2024</a:t>
+              <a:t>2/27/2024</a:t>
             </a:fld>
             <a:endParaRPr lang="en-US" dirty="0"/>
           </a:p>
@@ -1588,7 +1588,7 @@
           <a:p>
             <a:fld id="{D9DF0F1C-5577-4ACB-BB62-DF8F3C494C7E}" type="datetime1">
               <a:rPr lang="en-US" smtClean="0"/>
-              <a:t>2/7/2024</a:t>
+              <a:t>2/27/2024</a:t>
             </a:fld>
             <a:endParaRPr lang="en-US" dirty="0"/>
           </a:p>
@@ -1724,7 +1724,7 @@
           <a:p>
             <a:fld id="{1775B394-D9F9-4F0C-B15D-605F45CB9E9F}" type="datetime1">
               <a:rPr lang="en-US" smtClean="0"/>
-              <a:t>2/7/2024</a:t>
+              <a:t>2/27/2024</a:t>
             </a:fld>
             <a:endParaRPr lang="en-US" dirty="0"/>
           </a:p>
@@ -1881,7 +1881,7 @@
           <a:p>
             <a:fld id="{39667345-2558-425A-8533-9BFDBCE15005}" type="datetime1">
               <a:rPr lang="en-US" smtClean="0"/>
-              <a:t>2/7/2024</a:t>
+              <a:t>2/27/2024</a:t>
             </a:fld>
             <a:endParaRPr lang="en-US" dirty="0"/>
           </a:p>
@@ -2210,7 +2210,7 @@
           <a:p>
             <a:fld id="{92BEA474-078D-4E9B-9B14-09A87B19DC46}" type="datetime1">
               <a:rPr lang="en-US" smtClean="0"/>
-              <a:t>2/7/2024</a:t>
+              <a:t>2/27/2024</a:t>
             </a:fld>
             <a:endParaRPr lang="en-US" dirty="0"/>
           </a:p>
@@ -2560,7 +2560,7 @@
           <a:p>
             <a:fld id="{4907D986-8816-4272-A432-0437A28A9828}" type="datetime1">
               <a:rPr lang="en-US" smtClean="0"/>
-              <a:t>2/7/2024</a:t>
+              <a:t>2/27/2024</a:t>
             </a:fld>
             <a:endParaRPr lang="en-US" dirty="0"/>
           </a:p>
@@ -2821,7 +2821,7 @@
           <a:p>
             <a:fld id="{62D6E202-B606-4609-B914-27C9371A1F6D}" type="datetime1">
               <a:rPr lang="en-US" smtClean="0"/>
-              <a:t>2/7/2024</a:t>
+              <a:t>2/27/2024</a:t>
             </a:fld>
             <a:endParaRPr lang="en-US" dirty="0"/>
           </a:p>
@@ -5314,7 +5314,7 @@
             <p:ph idx="1"/>
             <p:extLst>
               <p:ext uri="{D42A27DB-BD31-4B8C-83A1-F6EECF244321}">
-                <p14:modId xmlns:p14="http://schemas.microsoft.com/office/powerpoint/2010/main" val="171005955"/>
+                <p14:modId xmlns:p14="http://schemas.microsoft.com/office/powerpoint/2010/main" val="2810432910"/>
               </p:ext>
             </p:extLst>
           </p:nvPr>
@@ -5372,7 +5372,7 @@
                             <a:schemeClr val="lt1"/>
                           </a:solidFill>
                         </a:rPr>
-                        <a:t>THE WEBSITE</a:t>
+                        <a:t>The Website</a:t>
                       </a:r>
                     </a:p>
                   </a:txBody>
@@ -6245,11 +6245,7 @@
           <a:p>
             <a:r>
               <a:rPr lang="en-GB" dirty="0"/>
-              <a:t>The website has a couple tabs, and here’s a breakdown of the various </a:t>
-            </a:r>
-            <a:r>
-              <a:rPr lang="en-GB"/>
-              <a:t>tabs:</a:t>
+              <a:t>The website has a couple tabs, and here’s a breakdown of the various tabs:</a:t>
             </a:r>
           </a:p>
           <a:p>
@@ -6670,13 +6666,13 @@
             <p:ph idx="1"/>
             <p:extLst>
               <p:ext uri="{D42A27DB-BD31-4B8C-83A1-F6EECF244321}">
-                <p14:modId xmlns:p14="http://schemas.microsoft.com/office/powerpoint/2010/main" val="2621564308"/>
+                <p14:modId xmlns:p14="http://schemas.microsoft.com/office/powerpoint/2010/main" val="851032520"/>
               </p:ext>
             </p:extLst>
           </p:nvPr>
         </p:nvGraphicFramePr>
         <p:xfrm>
-          <a:off x="1096963" y="2108200"/>
+          <a:off x="1096963" y="2140243"/>
           <a:ext cx="8314055" cy="2225040"/>
         </p:xfrm>
         <a:graphic>
@@ -7359,26 +7355,6 @@
 </file>
 
 <file path=customXml/item1.xml><?xml version="1.0" encoding="utf-8"?>
-<p:properties xmlns:p="http://schemas.microsoft.com/office/2006/metadata/properties" xmlns:xsi="http://www.w3.org/2001/XMLSchema-instance" xmlns:pc="http://schemas.microsoft.com/office/infopath/2007/PartnerControls">
-  <documentManagement>
-    <Status xmlns="71af3243-3dd4-4a8d-8c0d-dd76da1f02a5">Not started</Status>
-    <MediaServiceKeyPoints xmlns="71af3243-3dd4-4a8d-8c0d-dd76da1f02a5" xsi:nil="true"/>
-    <_ip_UnifiedCompliancePolicyUIAction xmlns="http://schemas.microsoft.com/sharepoint/v3" xsi:nil="true"/>
-    <Image xmlns="71af3243-3dd4-4a8d-8c0d-dd76da1f02a5">
-      <Url xsi:nil="true"/>
-      <Description xsi:nil="true"/>
-    </Image>
-    <Background xmlns="71af3243-3dd4-4a8d-8c0d-dd76da1f02a5">false</Background>
-    <_ip_UnifiedCompliancePolicyProperties xmlns="http://schemas.microsoft.com/sharepoint/v3" xsi:nil="true"/>
-    <ImageTagsTaxHTField xmlns="71af3243-3dd4-4a8d-8c0d-dd76da1f02a5">
-      <Terms xmlns="http://schemas.microsoft.com/office/infopath/2007/PartnerControls"/>
-    </ImageTagsTaxHTField>
-    <TaxCatchAll xmlns="230e9df3-be65-4c73-a93b-d1236ebd677e" xsi:nil="true"/>
-  </documentManagement>
-</p:properties>
-</file>
-
-<file path=customXml/item2.xml><?xml version="1.0" encoding="utf-8"?>
 <ct:contentTypeSchema xmlns:ct="http://schemas.microsoft.com/office/2006/metadata/contentType" xmlns:ma="http://schemas.microsoft.com/office/2006/metadata/properties/metaAttributes" ct:_="" ma:_="" ma:contentTypeName="Document" ma:contentTypeID="0x01010079F111ED35F8CC479449609E8A0923A6" ma:contentTypeVersion="27" ma:contentTypeDescription="Create a new document." ma:contentTypeScope="" ma:versionID="c6f9a84f66a9c8b9a21755b9ffafb945">
   <xsd:schema xmlns:xsd="http://www.w3.org/2001/XMLSchema" xmlns:xs="http://www.w3.org/2001/XMLSchema" xmlns:p="http://schemas.microsoft.com/office/2006/metadata/properties" xmlns:ns1="http://schemas.microsoft.com/sharepoint/v3" xmlns:ns2="71af3243-3dd4-4a8d-8c0d-dd76da1f02a5" xmlns:ns3="16c05727-aa75-4e4a-9b5f-8a80a1165891" xmlns:ns4="230e9df3-be65-4c73-a93b-d1236ebd677e" targetNamespace="http://schemas.microsoft.com/office/2006/metadata/properties" ma:root="true" ma:fieldsID="27df39e3e7036dff54f89ddd5805ce72" ns1:_="" ns2:_="" ns3:_="" ns4:_="">
     <xsd:import namespace="http://schemas.microsoft.com/sharepoint/v3"/>
@@ -7684,6 +7660,26 @@
 </ct:contentTypeSchema>
 </file>
 
+<file path=customXml/item2.xml><?xml version="1.0" encoding="utf-8"?>
+<p:properties xmlns:p="http://schemas.microsoft.com/office/2006/metadata/properties" xmlns:xsi="http://www.w3.org/2001/XMLSchema-instance" xmlns:pc="http://schemas.microsoft.com/office/infopath/2007/PartnerControls">
+  <documentManagement>
+    <Status xmlns="71af3243-3dd4-4a8d-8c0d-dd76da1f02a5">Not started</Status>
+    <MediaServiceKeyPoints xmlns="71af3243-3dd4-4a8d-8c0d-dd76da1f02a5" xsi:nil="true"/>
+    <_ip_UnifiedCompliancePolicyUIAction xmlns="http://schemas.microsoft.com/sharepoint/v3" xsi:nil="true"/>
+    <Image xmlns="71af3243-3dd4-4a8d-8c0d-dd76da1f02a5">
+      <Url xsi:nil="true"/>
+      <Description xsi:nil="true"/>
+    </Image>
+    <Background xmlns="71af3243-3dd4-4a8d-8c0d-dd76da1f02a5">false</Background>
+    <_ip_UnifiedCompliancePolicyProperties xmlns="http://schemas.microsoft.com/sharepoint/v3" xsi:nil="true"/>
+    <ImageTagsTaxHTField xmlns="71af3243-3dd4-4a8d-8c0d-dd76da1f02a5">
+      <Terms xmlns="http://schemas.microsoft.com/office/infopath/2007/PartnerControls"/>
+    </ImageTagsTaxHTField>
+    <TaxCatchAll xmlns="230e9df3-be65-4c73-a93b-d1236ebd677e" xsi:nil="true"/>
+  </documentManagement>
+</p:properties>
+</file>
+
 <file path=customXml/item3.xml><?xml version="1.0" encoding="utf-8"?>
 <?mso-contentType ?>
 <FormTemplates xmlns="http://schemas.microsoft.com/sharepoint/v3/contenttype/forms">
@@ -7694,18 +7690,6 @@
 </file>
 
 <file path=customXml/itemProps1.xml><?xml version="1.0" encoding="utf-8"?>
-<ds:datastoreItem xmlns:ds="http://schemas.openxmlformats.org/officeDocument/2006/customXml" ds:itemID="{A03EEFF0-FB57-4CB4-8BFC-DF397689E2ED}">
-  <ds:schemaRefs>
-    <ds:schemaRef ds:uri="http://schemas.microsoft.com/office/2006/metadata/properties"/>
-    <ds:schemaRef ds:uri="http://schemas.microsoft.com/office/infopath/2007/PartnerControls"/>
-    <ds:schemaRef ds:uri="71af3243-3dd4-4a8d-8c0d-dd76da1f02a5"/>
-    <ds:schemaRef ds:uri="http://schemas.microsoft.com/sharepoint/v3"/>
-    <ds:schemaRef ds:uri="230e9df3-be65-4c73-a93b-d1236ebd677e"/>
-  </ds:schemaRefs>
-</ds:datastoreItem>
-</file>
-
-<file path=customXml/itemProps2.xml><?xml version="1.0" encoding="utf-8"?>
 <ds:datastoreItem xmlns:ds="http://schemas.openxmlformats.org/officeDocument/2006/customXml" ds:itemID="{D2957789-34B8-480C-AF9B-3EB54B9E5C96}">
   <ds:schemaRefs>
     <ds:schemaRef ds:uri="http://schemas.microsoft.com/office/2006/metadata/contentType"/>
@@ -7726,6 +7710,18 @@
 </ds:datastoreItem>
 </file>
 
+<file path=customXml/itemProps2.xml><?xml version="1.0" encoding="utf-8"?>
+<ds:datastoreItem xmlns:ds="http://schemas.openxmlformats.org/officeDocument/2006/customXml" ds:itemID="{A03EEFF0-FB57-4CB4-8BFC-DF397689E2ED}">
+  <ds:schemaRefs>
+    <ds:schemaRef ds:uri="http://schemas.microsoft.com/office/2006/metadata/properties"/>
+    <ds:schemaRef ds:uri="http://schemas.microsoft.com/office/infopath/2007/PartnerControls"/>
+    <ds:schemaRef ds:uri="71af3243-3dd4-4a8d-8c0d-dd76da1f02a5"/>
+    <ds:schemaRef ds:uri="http://schemas.microsoft.com/sharepoint/v3"/>
+    <ds:schemaRef ds:uri="230e9df3-be65-4c73-a93b-d1236ebd677e"/>
+  </ds:schemaRefs>
+</ds:datastoreItem>
+</file>
+
 <file path=customXml/itemProps3.xml><?xml version="1.0" encoding="utf-8"?>
 <ds:datastoreItem xmlns:ds="http://schemas.openxmlformats.org/officeDocument/2006/customXml" ds:itemID="{AA3F7EDC-E5B4-4BBC-9D2A-CBE6D46C37AD}">
   <ds:schemaRefs>

--- a/XMT School.pptx
+++ b/XMT School.pptx
@@ -375,7 +375,7 @@
           <a:p>
             <a:fld id="{9184DA70-C731-4C70-880D-CCD4705E623C}" type="datetime1">
               <a:rPr lang="en-US" smtClean="0"/>
-              <a:t>2/27/2024</a:t>
+              <a:t>3/7/2024</a:t>
             </a:fld>
             <a:endParaRPr lang="en-US" dirty="0"/>
           </a:p>
@@ -563,7 +563,7 @@
           <a:p>
             <a:fld id="{4BE1D723-8F53-4F53-90B0-1982A396982E}" type="datetime1">
               <a:rPr lang="en-US" smtClean="0"/>
-              <a:t>2/27/2024</a:t>
+              <a:t>3/7/2024</a:t>
             </a:fld>
             <a:endParaRPr lang="en-US" dirty="0"/>
           </a:p>
@@ -936,7 +936,7 @@
           <a:p>
             <a:fld id="{97669AF7-7BEB-44E4-9852-375E34362B5B}" type="datetime1">
               <a:rPr lang="en-US" smtClean="0"/>
-              <a:t>2/27/2024</a:t>
+              <a:t>3/7/2024</a:t>
             </a:fld>
             <a:endParaRPr lang="en-US" dirty="0"/>
           </a:p>
@@ -1191,7 +1191,7 @@
           <a:p>
             <a:fld id="{BAAAC38D-0552-4C82-B593-E6124DFADBE2}" type="datetime1">
               <a:rPr lang="en-US" smtClean="0"/>
-              <a:t>2/27/2024</a:t>
+              <a:t>3/7/2024</a:t>
             </a:fld>
             <a:endParaRPr lang="en-US" dirty="0"/>
           </a:p>
@@ -1588,7 +1588,7 @@
           <a:p>
             <a:fld id="{D9DF0F1C-5577-4ACB-BB62-DF8F3C494C7E}" type="datetime1">
               <a:rPr lang="en-US" smtClean="0"/>
-              <a:t>2/27/2024</a:t>
+              <a:t>3/7/2024</a:t>
             </a:fld>
             <a:endParaRPr lang="en-US" dirty="0"/>
           </a:p>
@@ -1724,7 +1724,7 @@
           <a:p>
             <a:fld id="{1775B394-D9F9-4F0C-B15D-605F45CB9E9F}" type="datetime1">
               <a:rPr lang="en-US" smtClean="0"/>
-              <a:t>2/27/2024</a:t>
+              <a:t>3/7/2024</a:t>
             </a:fld>
             <a:endParaRPr lang="en-US" dirty="0"/>
           </a:p>
@@ -1881,7 +1881,7 @@
           <a:p>
             <a:fld id="{39667345-2558-425A-8533-9BFDBCE15005}" type="datetime1">
               <a:rPr lang="en-US" smtClean="0"/>
-              <a:t>2/27/2024</a:t>
+              <a:t>3/7/2024</a:t>
             </a:fld>
             <a:endParaRPr lang="en-US" dirty="0"/>
           </a:p>
@@ -2210,7 +2210,7 @@
           <a:p>
             <a:fld id="{92BEA474-078D-4E9B-9B14-09A87B19DC46}" type="datetime1">
               <a:rPr lang="en-US" smtClean="0"/>
-              <a:t>2/27/2024</a:t>
+              <a:t>3/7/2024</a:t>
             </a:fld>
             <a:endParaRPr lang="en-US" dirty="0"/>
           </a:p>
@@ -2560,7 +2560,7 @@
           <a:p>
             <a:fld id="{4907D986-8816-4272-A432-0437A28A9828}" type="datetime1">
               <a:rPr lang="en-US" smtClean="0"/>
-              <a:t>2/27/2024</a:t>
+              <a:t>3/7/2024</a:t>
             </a:fld>
             <a:endParaRPr lang="en-US" dirty="0"/>
           </a:p>
@@ -2821,7 +2821,7 @@
           <a:p>
             <a:fld id="{62D6E202-B606-4609-B914-27C9371A1F6D}" type="datetime1">
               <a:rPr lang="en-US" smtClean="0"/>
-              <a:t>2/27/2024</a:t>
+              <a:t>3/7/2024</a:t>
             </a:fld>
             <a:endParaRPr lang="en-US" dirty="0"/>
           </a:p>
@@ -4099,10 +4099,6 @@
               <a:buFont typeface="Arial" panose="020B0604020202020204" pitchFamily="34" charset="0"/>
               <a:buChar char="•"/>
             </a:pPr>
-            <a:r>
-              <a:rPr lang="en-GB" dirty="0"/>
-              <a:t> </a:t>
-            </a:r>
             <a:r>
               <a:rPr lang="en-GB" dirty="0" err="1"/>
               <a:t>Swashbuckle.AspNetCore</a:t>
@@ -7355,6 +7351,26 @@
 </file>
 
 <file path=customXml/item1.xml><?xml version="1.0" encoding="utf-8"?>
+<p:properties xmlns:p="http://schemas.microsoft.com/office/2006/metadata/properties" xmlns:xsi="http://www.w3.org/2001/XMLSchema-instance" xmlns:pc="http://schemas.microsoft.com/office/infopath/2007/PartnerControls">
+  <documentManagement>
+    <Status xmlns="71af3243-3dd4-4a8d-8c0d-dd76da1f02a5">Not started</Status>
+    <MediaServiceKeyPoints xmlns="71af3243-3dd4-4a8d-8c0d-dd76da1f02a5" xsi:nil="true"/>
+    <_ip_UnifiedCompliancePolicyUIAction xmlns="http://schemas.microsoft.com/sharepoint/v3" xsi:nil="true"/>
+    <Image xmlns="71af3243-3dd4-4a8d-8c0d-dd76da1f02a5">
+      <Url xsi:nil="true"/>
+      <Description xsi:nil="true"/>
+    </Image>
+    <Background xmlns="71af3243-3dd4-4a8d-8c0d-dd76da1f02a5">false</Background>
+    <_ip_UnifiedCompliancePolicyProperties xmlns="http://schemas.microsoft.com/sharepoint/v3" xsi:nil="true"/>
+    <ImageTagsTaxHTField xmlns="71af3243-3dd4-4a8d-8c0d-dd76da1f02a5">
+      <Terms xmlns="http://schemas.microsoft.com/office/infopath/2007/PartnerControls"/>
+    </ImageTagsTaxHTField>
+    <TaxCatchAll xmlns="230e9df3-be65-4c73-a93b-d1236ebd677e" xsi:nil="true"/>
+  </documentManagement>
+</p:properties>
+</file>
+
+<file path=customXml/item2.xml><?xml version="1.0" encoding="utf-8"?>
 <ct:contentTypeSchema xmlns:ct="http://schemas.microsoft.com/office/2006/metadata/contentType" xmlns:ma="http://schemas.microsoft.com/office/2006/metadata/properties/metaAttributes" ct:_="" ma:_="" ma:contentTypeName="Document" ma:contentTypeID="0x01010079F111ED35F8CC479449609E8A0923A6" ma:contentTypeVersion="27" ma:contentTypeDescription="Create a new document." ma:contentTypeScope="" ma:versionID="c6f9a84f66a9c8b9a21755b9ffafb945">
   <xsd:schema xmlns:xsd="http://www.w3.org/2001/XMLSchema" xmlns:xs="http://www.w3.org/2001/XMLSchema" xmlns:p="http://schemas.microsoft.com/office/2006/metadata/properties" xmlns:ns1="http://schemas.microsoft.com/sharepoint/v3" xmlns:ns2="71af3243-3dd4-4a8d-8c0d-dd76da1f02a5" xmlns:ns3="16c05727-aa75-4e4a-9b5f-8a80a1165891" xmlns:ns4="230e9df3-be65-4c73-a93b-d1236ebd677e" targetNamespace="http://schemas.microsoft.com/office/2006/metadata/properties" ma:root="true" ma:fieldsID="27df39e3e7036dff54f89ddd5805ce72" ns1:_="" ns2:_="" ns3:_="" ns4:_="">
     <xsd:import namespace="http://schemas.microsoft.com/sharepoint/v3"/>
@@ -7660,26 +7676,6 @@
 </ct:contentTypeSchema>
 </file>
 
-<file path=customXml/item2.xml><?xml version="1.0" encoding="utf-8"?>
-<p:properties xmlns:p="http://schemas.microsoft.com/office/2006/metadata/properties" xmlns:xsi="http://www.w3.org/2001/XMLSchema-instance" xmlns:pc="http://schemas.microsoft.com/office/infopath/2007/PartnerControls">
-  <documentManagement>
-    <Status xmlns="71af3243-3dd4-4a8d-8c0d-dd76da1f02a5">Not started</Status>
-    <MediaServiceKeyPoints xmlns="71af3243-3dd4-4a8d-8c0d-dd76da1f02a5" xsi:nil="true"/>
-    <_ip_UnifiedCompliancePolicyUIAction xmlns="http://schemas.microsoft.com/sharepoint/v3" xsi:nil="true"/>
-    <Image xmlns="71af3243-3dd4-4a8d-8c0d-dd76da1f02a5">
-      <Url xsi:nil="true"/>
-      <Description xsi:nil="true"/>
-    </Image>
-    <Background xmlns="71af3243-3dd4-4a8d-8c0d-dd76da1f02a5">false</Background>
-    <_ip_UnifiedCompliancePolicyProperties xmlns="http://schemas.microsoft.com/sharepoint/v3" xsi:nil="true"/>
-    <ImageTagsTaxHTField xmlns="71af3243-3dd4-4a8d-8c0d-dd76da1f02a5">
-      <Terms xmlns="http://schemas.microsoft.com/office/infopath/2007/PartnerControls"/>
-    </ImageTagsTaxHTField>
-    <TaxCatchAll xmlns="230e9df3-be65-4c73-a93b-d1236ebd677e" xsi:nil="true"/>
-  </documentManagement>
-</p:properties>
-</file>
-
 <file path=customXml/item3.xml><?xml version="1.0" encoding="utf-8"?>
 <?mso-contentType ?>
 <FormTemplates xmlns="http://schemas.microsoft.com/sharepoint/v3/contenttype/forms">
@@ -7690,6 +7686,18 @@
 </file>
 
 <file path=customXml/itemProps1.xml><?xml version="1.0" encoding="utf-8"?>
+<ds:datastoreItem xmlns:ds="http://schemas.openxmlformats.org/officeDocument/2006/customXml" ds:itemID="{A03EEFF0-FB57-4CB4-8BFC-DF397689E2ED}">
+  <ds:schemaRefs>
+    <ds:schemaRef ds:uri="http://schemas.microsoft.com/office/2006/metadata/properties"/>
+    <ds:schemaRef ds:uri="http://schemas.microsoft.com/office/infopath/2007/PartnerControls"/>
+    <ds:schemaRef ds:uri="71af3243-3dd4-4a8d-8c0d-dd76da1f02a5"/>
+    <ds:schemaRef ds:uri="http://schemas.microsoft.com/sharepoint/v3"/>
+    <ds:schemaRef ds:uri="230e9df3-be65-4c73-a93b-d1236ebd677e"/>
+  </ds:schemaRefs>
+</ds:datastoreItem>
+</file>
+
+<file path=customXml/itemProps2.xml><?xml version="1.0" encoding="utf-8"?>
 <ds:datastoreItem xmlns:ds="http://schemas.openxmlformats.org/officeDocument/2006/customXml" ds:itemID="{D2957789-34B8-480C-AF9B-3EB54B9E5C96}">
   <ds:schemaRefs>
     <ds:schemaRef ds:uri="http://schemas.microsoft.com/office/2006/metadata/contentType"/>
@@ -7710,18 +7718,6 @@
 </ds:datastoreItem>
 </file>
 
-<file path=customXml/itemProps2.xml><?xml version="1.0" encoding="utf-8"?>
-<ds:datastoreItem xmlns:ds="http://schemas.openxmlformats.org/officeDocument/2006/customXml" ds:itemID="{A03EEFF0-FB57-4CB4-8BFC-DF397689E2ED}">
-  <ds:schemaRefs>
-    <ds:schemaRef ds:uri="http://schemas.microsoft.com/office/2006/metadata/properties"/>
-    <ds:schemaRef ds:uri="http://schemas.microsoft.com/office/infopath/2007/PartnerControls"/>
-    <ds:schemaRef ds:uri="71af3243-3dd4-4a8d-8c0d-dd76da1f02a5"/>
-    <ds:schemaRef ds:uri="http://schemas.microsoft.com/sharepoint/v3"/>
-    <ds:schemaRef ds:uri="230e9df3-be65-4c73-a93b-d1236ebd677e"/>
-  </ds:schemaRefs>
-</ds:datastoreItem>
-</file>
-
 <file path=customXml/itemProps3.xml><?xml version="1.0" encoding="utf-8"?>
 <ds:datastoreItem xmlns:ds="http://schemas.openxmlformats.org/officeDocument/2006/customXml" ds:itemID="{AA3F7EDC-E5B4-4BBC-9D2A-CBE6D46C37AD}">
   <ds:schemaRefs>
